--- a/TensorFlow.pptx
+++ b/TensorFlow.pptx
@@ -7956,6 +7956,32 @@
 <file path=ppt/slides/slide4.xml><?xml version="1.0" encoding="utf-8"?>
 <p:sld xmlns:a="http://schemas.openxmlformats.org/drawingml/2006/main" xmlns:r="http://schemas.openxmlformats.org/officeDocument/2006/relationships" xmlns:p="http://schemas.openxmlformats.org/presentationml/2006/main">
   <p:cSld>
+    <p:bg>
+      <p:bgPr>
+        <a:gradFill rotWithShape="1">
+          <a:gsLst>
+            <a:gs pos="0">
+              <a:schemeClr val="bg2">
+                <a:tint val="90000"/>
+                <a:satMod val="92000"/>
+                <a:lumMod val="120000"/>
+              </a:schemeClr>
+            </a:gs>
+            <a:gs pos="100000">
+              <a:schemeClr val="bg2">
+                <a:shade val="98000"/>
+                <a:satMod val="120000"/>
+                <a:lumMod val="98000"/>
+              </a:schemeClr>
+            </a:gs>
+          </a:gsLst>
+          <a:path path="circle">
+            <a:fillToRect l="50000" t="50000" r="100000" b="100000"/>
+          </a:path>
+        </a:gradFill>
+        <a:effectLst/>
+      </p:bgPr>
+    </p:bg>
     <p:spTree>
       <p:nvGrpSpPr>
         <p:cNvPr id="1" name=""/>
@@ -7970,6 +7996,66 @@
           <a:chExt cx="0" cy="0"/>
         </a:xfrm>
       </p:grpSpPr>
+      <p:sp useBgFill="1">
+        <p:nvSpPr>
+          <p:cNvPr id="9" name="Rectangle 8">
+            <a:extLst>
+              <a:ext uri="{FF2B5EF4-FFF2-40B4-BE49-F238E27FC236}">
+                <a16:creationId xmlns:a16="http://schemas.microsoft.com/office/drawing/2014/main" id="{3F4C104D-5F30-4811-9376-566B26E4719A}"/>
+              </a:ext>
+              <a:ext uri="{C183D7F6-B498-43B3-948B-1728B52AA6E4}">
+                <adec:decorative xmlns:adec="http://schemas.microsoft.com/office/drawing/2017/decorative" val="1"/>
+              </a:ext>
+            </a:extLst>
+          </p:cNvPr>
+          <p:cNvSpPr>
+            <a:spLocks noGrp="1" noRot="1" noChangeAspect="1" noMove="1" noResize="1" noEditPoints="1" noAdjustHandles="1" noChangeArrowheads="1" noChangeShapeType="1" noTextEdit="1"/>
+          </p:cNvSpPr>
+          <p:nvPr>
+            <p:extLst>
+              <p:ext uri="{386F3935-93C4-4BCD-93E2-E3B085C9AB24}">
+                <p16:designElem xmlns:p16="http://schemas.microsoft.com/office/powerpoint/2015/main" val="1"/>
+              </p:ext>
+            </p:extLst>
+          </p:nvPr>
+        </p:nvSpPr>
+        <p:spPr>
+          <a:xfrm>
+            <a:off x="0" y="-786"/>
+            <a:ext cx="12192000" cy="6854038"/>
+          </a:xfrm>
+          <a:prstGeom prst="rect">
+            <a:avLst/>
+          </a:prstGeom>
+          <a:ln>
+            <a:noFill/>
+          </a:ln>
+        </p:spPr>
+        <p:style>
+          <a:lnRef idx="2">
+            <a:schemeClr val="accent1">
+              <a:shade val="50000"/>
+            </a:schemeClr>
+          </a:lnRef>
+          <a:fillRef idx="1">
+            <a:schemeClr val="accent1"/>
+          </a:fillRef>
+          <a:effectRef idx="0">
+            <a:schemeClr val="accent1"/>
+          </a:effectRef>
+          <a:fontRef idx="minor">
+            <a:schemeClr val="lt1"/>
+          </a:fontRef>
+        </p:style>
+        <p:txBody>
+          <a:bodyPr rtlCol="0" anchor="ctr"/>
+          <a:lstStyle/>
+          <a:p>
+            <a:pPr algn="ctr"/>
+            <a:endParaRPr lang="en-US"/>
+          </a:p>
+        </p:txBody>
+      </p:sp>
       <p:sp>
         <p:nvSpPr>
           <p:cNvPr id="2" name="Otsikko 1">
@@ -7986,17 +8072,83 @@
             <p:ph type="title"/>
           </p:nvPr>
         </p:nvSpPr>
-        <p:spPr/>
-        <p:txBody>
-          <a:bodyPr/>
+        <p:spPr>
+          <a:xfrm>
+            <a:off x="649224" y="645106"/>
+            <a:ext cx="3650279" cy="1259894"/>
+          </a:xfrm>
+        </p:spPr>
+        <p:txBody>
+          <a:bodyPr>
+            <a:normAutofit/>
+          </a:bodyPr>
           <a:lstStyle/>
           <a:p>
-            <a:r>
-              <a:rPr lang="fi-FI" dirty="0"/>
+            <a:pPr>
+              <a:lnSpc>
+                <a:spcPct val="90000"/>
+              </a:lnSpc>
+            </a:pPr>
+            <a:r>
+              <a:rPr lang="fi-FI" sz="2300"/>
               <a:t>Pelaaminen ilman hiirtä ja näppäimistöä – pelkällä webkameralla</a:t>
             </a:r>
           </a:p>
         </p:txBody>
+      </p:sp>
+      <p:sp>
+        <p:nvSpPr>
+          <p:cNvPr id="11" name="Rectangle 10">
+            <a:extLst>
+              <a:ext uri="{FF2B5EF4-FFF2-40B4-BE49-F238E27FC236}">
+                <a16:creationId xmlns:a16="http://schemas.microsoft.com/office/drawing/2014/main" id="{0815E34B-5D02-4E01-A936-E8E1C0AB6F12}"/>
+              </a:ext>
+              <a:ext uri="{C183D7F6-B498-43B3-948B-1728B52AA6E4}">
+                <adec:decorative xmlns:adec="http://schemas.microsoft.com/office/drawing/2017/decorative" val="1"/>
+              </a:ext>
+            </a:extLst>
+          </p:cNvPr>
+          <p:cNvSpPr>
+            <a:spLocks noGrp="1" noRot="1" noChangeAspect="1" noMove="1" noResize="1" noEditPoints="1" noAdjustHandles="1" noChangeArrowheads="1" noChangeShapeType="1" noTextEdit="1"/>
+          </p:cNvSpPr>
+          <p:nvPr>
+            <p:extLst>
+              <p:ext uri="{386F3935-93C4-4BCD-93E2-E3B085C9AB24}">
+                <p16:designElem xmlns:p16="http://schemas.microsoft.com/office/powerpoint/2015/main" val="1"/>
+              </p:ext>
+            </p:extLst>
+          </p:nvPr>
+        </p:nvSpPr>
+        <p:spPr>
+          <a:xfrm>
+            <a:off x="0" y="0"/>
+            <a:ext cx="182880" cy="6858000"/>
+          </a:xfrm>
+          <a:prstGeom prst="rect">
+            <a:avLst/>
+          </a:prstGeom>
+          <a:solidFill>
+            <a:schemeClr val="tx2"/>
+          </a:solidFill>
+          <a:ln>
+            <a:noFill/>
+          </a:ln>
+          <a:effectLst/>
+        </p:spPr>
+        <p:style>
+          <a:lnRef idx="1">
+            <a:schemeClr val="accent1"/>
+          </a:lnRef>
+          <a:fillRef idx="3">
+            <a:schemeClr val="accent1"/>
+          </a:fillRef>
+          <a:effectRef idx="2">
+            <a:schemeClr val="accent1"/>
+          </a:effectRef>
+          <a:fontRef idx="minor">
+            <a:schemeClr val="lt1"/>
+          </a:fontRef>
+        </p:style>
       </p:sp>
       <p:sp>
         <p:nvSpPr>
@@ -8014,9 +8166,16 @@
             <p:ph idx="1"/>
           </p:nvPr>
         </p:nvSpPr>
-        <p:spPr/>
-        <p:txBody>
-          <a:bodyPr/>
+        <p:spPr>
+          <a:xfrm>
+            <a:off x="649225" y="2133600"/>
+            <a:ext cx="3650278" cy="3759253"/>
+          </a:xfrm>
+        </p:spPr>
+        <p:txBody>
+          <a:bodyPr>
+            <a:normAutofit/>
+          </a:bodyPr>
           <a:lstStyle/>
           <a:p>
             <a:r>
@@ -8029,6 +8188,256 @@
               <a:rPr lang="fi-FI" dirty="0"/>
               <a:t> </a:t>
             </a:r>
+          </a:p>
+          <a:p>
+            <a:endParaRPr lang="fi-FI" dirty="0"/>
+          </a:p>
+        </p:txBody>
+      </p:sp>
+      <p:pic>
+        <p:nvPicPr>
+          <p:cNvPr id="4" name="Kuva 3">
+            <a:extLst>
+              <a:ext uri="{FF2B5EF4-FFF2-40B4-BE49-F238E27FC236}">
+                <a16:creationId xmlns:a16="http://schemas.microsoft.com/office/drawing/2014/main" id="{1BE34299-C771-4834-80D3-1D75434EEF22}"/>
+              </a:ext>
+            </a:extLst>
+          </p:cNvPr>
+          <p:cNvPicPr>
+            <a:picLocks noChangeAspect="1"/>
+          </p:cNvPicPr>
+          <p:nvPr/>
+        </p:nvPicPr>
+        <p:blipFill>
+          <a:blip r:embed="rId3"/>
+          <a:stretch>
+            <a:fillRect/>
+          </a:stretch>
+        </p:blipFill>
+        <p:spPr>
+          <a:xfrm>
+            <a:off x="4950958" y="640080"/>
+            <a:ext cx="6290746" cy="5252773"/>
+          </a:xfrm>
+          <a:prstGeom prst="rect">
+            <a:avLst/>
+          </a:prstGeom>
+        </p:spPr>
+      </p:pic>
+      <p:sp>
+        <p:nvSpPr>
+          <p:cNvPr id="13" name="Freeform 11">
+            <a:extLst>
+              <a:ext uri="{FF2B5EF4-FFF2-40B4-BE49-F238E27FC236}">
+                <a16:creationId xmlns:a16="http://schemas.microsoft.com/office/drawing/2014/main" id="{7DE3414B-B032-4710-A468-D3285E38C5FF}"/>
+              </a:ext>
+              <a:ext uri="{C183D7F6-B498-43B3-948B-1728B52AA6E4}">
+                <adec:decorative xmlns:adec="http://schemas.microsoft.com/office/drawing/2017/decorative" val="1"/>
+              </a:ext>
+            </a:extLst>
+          </p:cNvPr>
+          <p:cNvSpPr>
+            <a:spLocks noGrp="1" noRot="1" noChangeAspect="1" noMove="1" noResize="1" noEditPoints="1" noAdjustHandles="1" noChangeArrowheads="1" noChangeShapeType="1" noTextEdit="1"/>
+          </p:cNvSpPr>
+          <p:nvPr>
+            <p:extLst>
+              <p:ext uri="{386F3935-93C4-4BCD-93E2-E3B085C9AB24}">
+                <p16:designElem xmlns:p16="http://schemas.microsoft.com/office/powerpoint/2015/main" val="1"/>
+              </p:ext>
+            </p:extLst>
+          </p:nvPr>
+        </p:nvSpPr>
+        <p:spPr>
+          <a:xfrm>
+            <a:off x="-1" y="6061223"/>
+            <a:ext cx="1038036" cy="506277"/>
+          </a:xfrm>
+          <a:custGeom>
+            <a:avLst/>
+            <a:gdLst>
+              <a:gd name="connsiteX0" fmla="*/ 0 w 1038036"/>
+              <a:gd name="connsiteY0" fmla="*/ 0 h 506277"/>
+              <a:gd name="connsiteX1" fmla="*/ 182880 w 1038036"/>
+              <a:gd name="connsiteY1" fmla="*/ 0 h 506277"/>
+              <a:gd name="connsiteX2" fmla="*/ 291705 w 1038036"/>
+              <a:gd name="connsiteY2" fmla="*/ 0 h 506277"/>
+              <a:gd name="connsiteX3" fmla="*/ 291705 w 1038036"/>
+              <a:gd name="connsiteY3" fmla="*/ 151 h 506277"/>
+              <a:gd name="connsiteX4" fmla="*/ 692049 w 1038036"/>
+              <a:gd name="connsiteY4" fmla="*/ 705 h 506277"/>
+              <a:gd name="connsiteX5" fmla="*/ 782744 w 1038036"/>
+              <a:gd name="connsiteY5" fmla="*/ 705 h 506277"/>
+              <a:gd name="connsiteX6" fmla="*/ 797001 w 1038036"/>
+              <a:gd name="connsiteY6" fmla="*/ 5473 h 506277"/>
+              <a:gd name="connsiteX7" fmla="*/ 801982 w 1038036"/>
+              <a:gd name="connsiteY7" fmla="*/ 10242 h 506277"/>
+              <a:gd name="connsiteX8" fmla="*/ 1030951 w 1038036"/>
+              <a:gd name="connsiteY8" fmla="*/ 239185 h 506277"/>
+              <a:gd name="connsiteX9" fmla="*/ 1030951 w 1038036"/>
+              <a:gd name="connsiteY9" fmla="*/ 267797 h 506277"/>
+              <a:gd name="connsiteX10" fmla="*/ 801982 w 1038036"/>
+              <a:gd name="connsiteY10" fmla="*/ 496740 h 506277"/>
+              <a:gd name="connsiteX11" fmla="*/ 797001 w 1038036"/>
+              <a:gd name="connsiteY11" fmla="*/ 501508 h 506277"/>
+              <a:gd name="connsiteX12" fmla="*/ 782744 w 1038036"/>
+              <a:gd name="connsiteY12" fmla="*/ 506277 h 506277"/>
+              <a:gd name="connsiteX13" fmla="*/ 692049 w 1038036"/>
+              <a:gd name="connsiteY13" fmla="*/ 506277 h 506277"/>
+              <a:gd name="connsiteX14" fmla="*/ 291705 w 1038036"/>
+              <a:gd name="connsiteY14" fmla="*/ 505140 h 506277"/>
+              <a:gd name="connsiteX15" fmla="*/ 291705 w 1038036"/>
+              <a:gd name="connsiteY15" fmla="*/ 506277 h 506277"/>
+              <a:gd name="connsiteX16" fmla="*/ 0 w 1038036"/>
+              <a:gd name="connsiteY16" fmla="*/ 506277 h 506277"/>
+            </a:gdLst>
+            <a:ahLst/>
+            <a:cxnLst>
+              <a:cxn ang="0">
+                <a:pos x="connsiteX0" y="connsiteY0"/>
+              </a:cxn>
+              <a:cxn ang="0">
+                <a:pos x="connsiteX1" y="connsiteY1"/>
+              </a:cxn>
+              <a:cxn ang="0">
+                <a:pos x="connsiteX2" y="connsiteY2"/>
+              </a:cxn>
+              <a:cxn ang="0">
+                <a:pos x="connsiteX3" y="connsiteY3"/>
+              </a:cxn>
+              <a:cxn ang="0">
+                <a:pos x="connsiteX4" y="connsiteY4"/>
+              </a:cxn>
+              <a:cxn ang="0">
+                <a:pos x="connsiteX5" y="connsiteY5"/>
+              </a:cxn>
+              <a:cxn ang="0">
+                <a:pos x="connsiteX6" y="connsiteY6"/>
+              </a:cxn>
+              <a:cxn ang="0">
+                <a:pos x="connsiteX7" y="connsiteY7"/>
+              </a:cxn>
+              <a:cxn ang="0">
+                <a:pos x="connsiteX8" y="connsiteY8"/>
+              </a:cxn>
+              <a:cxn ang="0">
+                <a:pos x="connsiteX9" y="connsiteY9"/>
+              </a:cxn>
+              <a:cxn ang="0">
+                <a:pos x="connsiteX10" y="connsiteY10"/>
+              </a:cxn>
+              <a:cxn ang="0">
+                <a:pos x="connsiteX11" y="connsiteY11"/>
+              </a:cxn>
+              <a:cxn ang="0">
+                <a:pos x="connsiteX12" y="connsiteY12"/>
+              </a:cxn>
+              <a:cxn ang="0">
+                <a:pos x="connsiteX13" y="connsiteY13"/>
+              </a:cxn>
+              <a:cxn ang="0">
+                <a:pos x="connsiteX14" y="connsiteY14"/>
+              </a:cxn>
+              <a:cxn ang="0">
+                <a:pos x="connsiteX15" y="connsiteY15"/>
+              </a:cxn>
+              <a:cxn ang="0">
+                <a:pos x="connsiteX16" y="connsiteY16"/>
+              </a:cxn>
+            </a:cxnLst>
+            <a:rect l="l" t="t" r="r" b="b"/>
+            <a:pathLst>
+              <a:path w="1038036" h="506277">
+                <a:moveTo>
+                  <a:pt x="0" y="0"/>
+                </a:moveTo>
+                <a:lnTo>
+                  <a:pt x="182880" y="0"/>
+                </a:lnTo>
+                <a:lnTo>
+                  <a:pt x="291705" y="0"/>
+                </a:lnTo>
+                <a:lnTo>
+                  <a:pt x="291705" y="151"/>
+                </a:lnTo>
+                <a:lnTo>
+                  <a:pt x="692049" y="705"/>
+                </a:lnTo>
+                <a:lnTo>
+                  <a:pt x="782744" y="705"/>
+                </a:lnTo>
+                <a:cubicBezTo>
+                  <a:pt x="787553" y="705"/>
+                  <a:pt x="792363" y="5473"/>
+                  <a:pt x="797001" y="5473"/>
+                </a:cubicBezTo>
+                <a:cubicBezTo>
+                  <a:pt x="797001" y="10242"/>
+                  <a:pt x="801982" y="10242"/>
+                  <a:pt x="801982" y="10242"/>
+                </a:cubicBezTo>
+                <a:lnTo>
+                  <a:pt x="1030951" y="239185"/>
+                </a:lnTo>
+                <a:cubicBezTo>
+                  <a:pt x="1040398" y="248722"/>
+                  <a:pt x="1040398" y="258259"/>
+                  <a:pt x="1030951" y="267797"/>
+                </a:cubicBezTo>
+                <a:lnTo>
+                  <a:pt x="801982" y="496740"/>
+                </a:lnTo>
+                <a:cubicBezTo>
+                  <a:pt x="800436" y="498363"/>
+                  <a:pt x="798547" y="499885"/>
+                  <a:pt x="797001" y="501508"/>
+                </a:cubicBezTo>
+                <a:cubicBezTo>
+                  <a:pt x="792363" y="506277"/>
+                  <a:pt x="787553" y="506277"/>
+                  <a:pt x="782744" y="506277"/>
+                </a:cubicBezTo>
+                <a:lnTo>
+                  <a:pt x="692049" y="506277"/>
+                </a:lnTo>
+                <a:lnTo>
+                  <a:pt x="291705" y="505140"/>
+                </a:lnTo>
+                <a:lnTo>
+                  <a:pt x="291705" y="506277"/>
+                </a:lnTo>
+                <a:lnTo>
+                  <a:pt x="0" y="506277"/>
+                </a:lnTo>
+                <a:close/>
+              </a:path>
+            </a:pathLst>
+          </a:custGeom>
+          <a:ln>
+            <a:noFill/>
+          </a:ln>
+        </p:spPr>
+        <p:style>
+          <a:lnRef idx="2">
+            <a:schemeClr val="accent1">
+              <a:shade val="50000"/>
+            </a:schemeClr>
+          </a:lnRef>
+          <a:fillRef idx="1">
+            <a:schemeClr val="accent1"/>
+          </a:fillRef>
+          <a:effectRef idx="0">
+            <a:schemeClr val="accent1"/>
+          </a:effectRef>
+          <a:fontRef idx="minor">
+            <a:schemeClr val="lt1"/>
+          </a:fontRef>
+        </p:style>
+        <p:txBody>
+          <a:bodyPr rtlCol="0" anchor="ctr"/>
+          <a:lstStyle/>
+          <a:p>
+            <a:pPr algn="ctr"/>
+            <a:endParaRPr lang="en-US"/>
           </a:p>
         </p:txBody>
       </p:sp>
@@ -8230,6 +8639,32 @@
 <file path=ppt/slides/slide7.xml><?xml version="1.0" encoding="utf-8"?>
 <p:sld xmlns:a="http://schemas.openxmlformats.org/drawingml/2006/main" xmlns:r="http://schemas.openxmlformats.org/officeDocument/2006/relationships" xmlns:p="http://schemas.openxmlformats.org/presentationml/2006/main">
   <p:cSld>
+    <p:bg>
+      <p:bgPr>
+        <a:gradFill rotWithShape="1">
+          <a:gsLst>
+            <a:gs pos="0">
+              <a:schemeClr val="bg2">
+                <a:tint val="90000"/>
+                <a:satMod val="92000"/>
+                <a:lumMod val="120000"/>
+              </a:schemeClr>
+            </a:gs>
+            <a:gs pos="100000">
+              <a:schemeClr val="bg2">
+                <a:shade val="98000"/>
+                <a:satMod val="120000"/>
+                <a:lumMod val="98000"/>
+              </a:schemeClr>
+            </a:gs>
+          </a:gsLst>
+          <a:path path="circle">
+            <a:fillToRect l="50000" t="50000" r="100000" b="100000"/>
+          </a:path>
+        </a:gradFill>
+        <a:effectLst/>
+      </p:bgPr>
+    </p:bg>
     <p:spTree>
       <p:nvGrpSpPr>
         <p:cNvPr id="1" name=""/>
@@ -8244,6 +8679,66 @@
           <a:chExt cx="0" cy="0"/>
         </a:xfrm>
       </p:grpSpPr>
+      <p:sp useBgFill="1">
+        <p:nvSpPr>
+          <p:cNvPr id="9" name="Rectangle 8">
+            <a:extLst>
+              <a:ext uri="{FF2B5EF4-FFF2-40B4-BE49-F238E27FC236}">
+                <a16:creationId xmlns:a16="http://schemas.microsoft.com/office/drawing/2014/main" id="{3F4C104D-5F30-4811-9376-566B26E4719A}"/>
+              </a:ext>
+              <a:ext uri="{C183D7F6-B498-43B3-948B-1728B52AA6E4}">
+                <adec:decorative xmlns:adec="http://schemas.microsoft.com/office/drawing/2017/decorative" val="1"/>
+              </a:ext>
+            </a:extLst>
+          </p:cNvPr>
+          <p:cNvSpPr>
+            <a:spLocks noGrp="1" noRot="1" noChangeAspect="1" noMove="1" noResize="1" noEditPoints="1" noAdjustHandles="1" noChangeArrowheads="1" noChangeShapeType="1" noTextEdit="1"/>
+          </p:cNvSpPr>
+          <p:nvPr>
+            <p:extLst>
+              <p:ext uri="{386F3935-93C4-4BCD-93E2-E3B085C9AB24}">
+                <p16:designElem xmlns:p16="http://schemas.microsoft.com/office/powerpoint/2015/main" val="1"/>
+              </p:ext>
+            </p:extLst>
+          </p:nvPr>
+        </p:nvSpPr>
+        <p:spPr>
+          <a:xfrm>
+            <a:off x="0" y="-786"/>
+            <a:ext cx="12192000" cy="6854038"/>
+          </a:xfrm>
+          <a:prstGeom prst="rect">
+            <a:avLst/>
+          </a:prstGeom>
+          <a:ln>
+            <a:noFill/>
+          </a:ln>
+        </p:spPr>
+        <p:style>
+          <a:lnRef idx="2">
+            <a:schemeClr val="accent1">
+              <a:shade val="50000"/>
+            </a:schemeClr>
+          </a:lnRef>
+          <a:fillRef idx="1">
+            <a:schemeClr val="accent1"/>
+          </a:fillRef>
+          <a:effectRef idx="0">
+            <a:schemeClr val="accent1"/>
+          </a:effectRef>
+          <a:fontRef idx="minor">
+            <a:schemeClr val="lt1"/>
+          </a:fontRef>
+        </p:style>
+        <p:txBody>
+          <a:bodyPr rtlCol="0" anchor="ctr"/>
+          <a:lstStyle/>
+          <a:p>
+            <a:pPr algn="ctr"/>
+            <a:endParaRPr lang="en-US"/>
+          </a:p>
+        </p:txBody>
+      </p:sp>
       <p:sp>
         <p:nvSpPr>
           <p:cNvPr id="2" name="Otsikko 1">
@@ -8260,9 +8755,16 @@
             <p:ph type="title"/>
           </p:nvPr>
         </p:nvSpPr>
-        <p:spPr/>
-        <p:txBody>
-          <a:bodyPr/>
+        <p:spPr>
+          <a:xfrm>
+            <a:off x="649224" y="645106"/>
+            <a:ext cx="3650279" cy="1259894"/>
+          </a:xfrm>
+        </p:spPr>
+        <p:txBody>
+          <a:bodyPr>
+            <a:normAutofit/>
+          </a:bodyPr>
           <a:lstStyle/>
           <a:p>
             <a:r>
@@ -8271,6 +8773,60 @@
             </a:r>
           </a:p>
         </p:txBody>
+      </p:sp>
+      <p:sp>
+        <p:nvSpPr>
+          <p:cNvPr id="11" name="Rectangle 10">
+            <a:extLst>
+              <a:ext uri="{FF2B5EF4-FFF2-40B4-BE49-F238E27FC236}">
+                <a16:creationId xmlns:a16="http://schemas.microsoft.com/office/drawing/2014/main" id="{0815E34B-5D02-4E01-A936-E8E1C0AB6F12}"/>
+              </a:ext>
+              <a:ext uri="{C183D7F6-B498-43B3-948B-1728B52AA6E4}">
+                <adec:decorative xmlns:adec="http://schemas.microsoft.com/office/drawing/2017/decorative" val="1"/>
+              </a:ext>
+            </a:extLst>
+          </p:cNvPr>
+          <p:cNvSpPr>
+            <a:spLocks noGrp="1" noRot="1" noChangeAspect="1" noMove="1" noResize="1" noEditPoints="1" noAdjustHandles="1" noChangeArrowheads="1" noChangeShapeType="1" noTextEdit="1"/>
+          </p:cNvSpPr>
+          <p:nvPr>
+            <p:extLst>
+              <p:ext uri="{386F3935-93C4-4BCD-93E2-E3B085C9AB24}">
+                <p16:designElem xmlns:p16="http://schemas.microsoft.com/office/powerpoint/2015/main" val="1"/>
+              </p:ext>
+            </p:extLst>
+          </p:nvPr>
+        </p:nvSpPr>
+        <p:spPr>
+          <a:xfrm>
+            <a:off x="0" y="0"/>
+            <a:ext cx="182880" cy="6858000"/>
+          </a:xfrm>
+          <a:prstGeom prst="rect">
+            <a:avLst/>
+          </a:prstGeom>
+          <a:solidFill>
+            <a:schemeClr val="tx2"/>
+          </a:solidFill>
+          <a:ln>
+            <a:noFill/>
+          </a:ln>
+          <a:effectLst/>
+        </p:spPr>
+        <p:style>
+          <a:lnRef idx="1">
+            <a:schemeClr val="accent1"/>
+          </a:lnRef>
+          <a:fillRef idx="3">
+            <a:schemeClr val="accent1"/>
+          </a:fillRef>
+          <a:effectRef idx="2">
+            <a:schemeClr val="accent1"/>
+          </a:effectRef>
+          <a:fontRef idx="minor">
+            <a:schemeClr val="lt1"/>
+          </a:fontRef>
+        </p:style>
       </p:sp>
       <p:sp>
         <p:nvSpPr>
@@ -8288,9 +8844,16 @@
             <p:ph idx="1"/>
           </p:nvPr>
         </p:nvSpPr>
-        <p:spPr/>
-        <p:txBody>
-          <a:bodyPr/>
+        <p:spPr>
+          <a:xfrm>
+            <a:off x="649225" y="2133600"/>
+            <a:ext cx="3650278" cy="3759253"/>
+          </a:xfrm>
+        </p:spPr>
+        <p:txBody>
+          <a:bodyPr>
+            <a:normAutofit/>
+          </a:bodyPr>
           <a:lstStyle/>
           <a:p>
             <a:r>
@@ -8303,6 +8866,256 @@
               <a:rPr lang="fi-FI" dirty="0"/>
               <a:t> </a:t>
             </a:r>
+          </a:p>
+          <a:p>
+            <a:endParaRPr lang="fi-FI" dirty="0"/>
+          </a:p>
+        </p:txBody>
+      </p:sp>
+      <p:pic>
+        <p:nvPicPr>
+          <p:cNvPr id="4" name="Kuva 3">
+            <a:extLst>
+              <a:ext uri="{FF2B5EF4-FFF2-40B4-BE49-F238E27FC236}">
+                <a16:creationId xmlns:a16="http://schemas.microsoft.com/office/drawing/2014/main" id="{B0A0F0C6-2FC0-45FB-A444-417304CD3878}"/>
+              </a:ext>
+            </a:extLst>
+          </p:cNvPr>
+          <p:cNvPicPr>
+            <a:picLocks noChangeAspect="1"/>
+          </p:cNvPicPr>
+          <p:nvPr/>
+        </p:nvPicPr>
+        <p:blipFill>
+          <a:blip r:embed="rId3"/>
+          <a:stretch>
+            <a:fillRect/>
+          </a:stretch>
+        </p:blipFill>
+        <p:spPr>
+          <a:xfrm>
+            <a:off x="5620963" y="640080"/>
+            <a:ext cx="4950737" cy="5252773"/>
+          </a:xfrm>
+          <a:prstGeom prst="rect">
+            <a:avLst/>
+          </a:prstGeom>
+        </p:spPr>
+      </p:pic>
+      <p:sp>
+        <p:nvSpPr>
+          <p:cNvPr id="13" name="Freeform 11">
+            <a:extLst>
+              <a:ext uri="{FF2B5EF4-FFF2-40B4-BE49-F238E27FC236}">
+                <a16:creationId xmlns:a16="http://schemas.microsoft.com/office/drawing/2014/main" id="{7DE3414B-B032-4710-A468-D3285E38C5FF}"/>
+              </a:ext>
+              <a:ext uri="{C183D7F6-B498-43B3-948B-1728B52AA6E4}">
+                <adec:decorative xmlns:adec="http://schemas.microsoft.com/office/drawing/2017/decorative" val="1"/>
+              </a:ext>
+            </a:extLst>
+          </p:cNvPr>
+          <p:cNvSpPr>
+            <a:spLocks noGrp="1" noRot="1" noChangeAspect="1" noMove="1" noResize="1" noEditPoints="1" noAdjustHandles="1" noChangeArrowheads="1" noChangeShapeType="1" noTextEdit="1"/>
+          </p:cNvSpPr>
+          <p:nvPr>
+            <p:extLst>
+              <p:ext uri="{386F3935-93C4-4BCD-93E2-E3B085C9AB24}">
+                <p16:designElem xmlns:p16="http://schemas.microsoft.com/office/powerpoint/2015/main" val="1"/>
+              </p:ext>
+            </p:extLst>
+          </p:nvPr>
+        </p:nvSpPr>
+        <p:spPr>
+          <a:xfrm>
+            <a:off x="-1" y="6061223"/>
+            <a:ext cx="1038036" cy="506277"/>
+          </a:xfrm>
+          <a:custGeom>
+            <a:avLst/>
+            <a:gdLst>
+              <a:gd name="connsiteX0" fmla="*/ 0 w 1038036"/>
+              <a:gd name="connsiteY0" fmla="*/ 0 h 506277"/>
+              <a:gd name="connsiteX1" fmla="*/ 182880 w 1038036"/>
+              <a:gd name="connsiteY1" fmla="*/ 0 h 506277"/>
+              <a:gd name="connsiteX2" fmla="*/ 291705 w 1038036"/>
+              <a:gd name="connsiteY2" fmla="*/ 0 h 506277"/>
+              <a:gd name="connsiteX3" fmla="*/ 291705 w 1038036"/>
+              <a:gd name="connsiteY3" fmla="*/ 151 h 506277"/>
+              <a:gd name="connsiteX4" fmla="*/ 692049 w 1038036"/>
+              <a:gd name="connsiteY4" fmla="*/ 705 h 506277"/>
+              <a:gd name="connsiteX5" fmla="*/ 782744 w 1038036"/>
+              <a:gd name="connsiteY5" fmla="*/ 705 h 506277"/>
+              <a:gd name="connsiteX6" fmla="*/ 797001 w 1038036"/>
+              <a:gd name="connsiteY6" fmla="*/ 5473 h 506277"/>
+              <a:gd name="connsiteX7" fmla="*/ 801982 w 1038036"/>
+              <a:gd name="connsiteY7" fmla="*/ 10242 h 506277"/>
+              <a:gd name="connsiteX8" fmla="*/ 1030951 w 1038036"/>
+              <a:gd name="connsiteY8" fmla="*/ 239185 h 506277"/>
+              <a:gd name="connsiteX9" fmla="*/ 1030951 w 1038036"/>
+              <a:gd name="connsiteY9" fmla="*/ 267797 h 506277"/>
+              <a:gd name="connsiteX10" fmla="*/ 801982 w 1038036"/>
+              <a:gd name="connsiteY10" fmla="*/ 496740 h 506277"/>
+              <a:gd name="connsiteX11" fmla="*/ 797001 w 1038036"/>
+              <a:gd name="connsiteY11" fmla="*/ 501508 h 506277"/>
+              <a:gd name="connsiteX12" fmla="*/ 782744 w 1038036"/>
+              <a:gd name="connsiteY12" fmla="*/ 506277 h 506277"/>
+              <a:gd name="connsiteX13" fmla="*/ 692049 w 1038036"/>
+              <a:gd name="connsiteY13" fmla="*/ 506277 h 506277"/>
+              <a:gd name="connsiteX14" fmla="*/ 291705 w 1038036"/>
+              <a:gd name="connsiteY14" fmla="*/ 505140 h 506277"/>
+              <a:gd name="connsiteX15" fmla="*/ 291705 w 1038036"/>
+              <a:gd name="connsiteY15" fmla="*/ 506277 h 506277"/>
+              <a:gd name="connsiteX16" fmla="*/ 0 w 1038036"/>
+              <a:gd name="connsiteY16" fmla="*/ 506277 h 506277"/>
+            </a:gdLst>
+            <a:ahLst/>
+            <a:cxnLst>
+              <a:cxn ang="0">
+                <a:pos x="connsiteX0" y="connsiteY0"/>
+              </a:cxn>
+              <a:cxn ang="0">
+                <a:pos x="connsiteX1" y="connsiteY1"/>
+              </a:cxn>
+              <a:cxn ang="0">
+                <a:pos x="connsiteX2" y="connsiteY2"/>
+              </a:cxn>
+              <a:cxn ang="0">
+                <a:pos x="connsiteX3" y="connsiteY3"/>
+              </a:cxn>
+              <a:cxn ang="0">
+                <a:pos x="connsiteX4" y="connsiteY4"/>
+              </a:cxn>
+              <a:cxn ang="0">
+                <a:pos x="connsiteX5" y="connsiteY5"/>
+              </a:cxn>
+              <a:cxn ang="0">
+                <a:pos x="connsiteX6" y="connsiteY6"/>
+              </a:cxn>
+              <a:cxn ang="0">
+                <a:pos x="connsiteX7" y="connsiteY7"/>
+              </a:cxn>
+              <a:cxn ang="0">
+                <a:pos x="connsiteX8" y="connsiteY8"/>
+              </a:cxn>
+              <a:cxn ang="0">
+                <a:pos x="connsiteX9" y="connsiteY9"/>
+              </a:cxn>
+              <a:cxn ang="0">
+                <a:pos x="connsiteX10" y="connsiteY10"/>
+              </a:cxn>
+              <a:cxn ang="0">
+                <a:pos x="connsiteX11" y="connsiteY11"/>
+              </a:cxn>
+              <a:cxn ang="0">
+                <a:pos x="connsiteX12" y="connsiteY12"/>
+              </a:cxn>
+              <a:cxn ang="0">
+                <a:pos x="connsiteX13" y="connsiteY13"/>
+              </a:cxn>
+              <a:cxn ang="0">
+                <a:pos x="connsiteX14" y="connsiteY14"/>
+              </a:cxn>
+              <a:cxn ang="0">
+                <a:pos x="connsiteX15" y="connsiteY15"/>
+              </a:cxn>
+              <a:cxn ang="0">
+                <a:pos x="connsiteX16" y="connsiteY16"/>
+              </a:cxn>
+            </a:cxnLst>
+            <a:rect l="l" t="t" r="r" b="b"/>
+            <a:pathLst>
+              <a:path w="1038036" h="506277">
+                <a:moveTo>
+                  <a:pt x="0" y="0"/>
+                </a:moveTo>
+                <a:lnTo>
+                  <a:pt x="182880" y="0"/>
+                </a:lnTo>
+                <a:lnTo>
+                  <a:pt x="291705" y="0"/>
+                </a:lnTo>
+                <a:lnTo>
+                  <a:pt x="291705" y="151"/>
+                </a:lnTo>
+                <a:lnTo>
+                  <a:pt x="692049" y="705"/>
+                </a:lnTo>
+                <a:lnTo>
+                  <a:pt x="782744" y="705"/>
+                </a:lnTo>
+                <a:cubicBezTo>
+                  <a:pt x="787553" y="705"/>
+                  <a:pt x="792363" y="5473"/>
+                  <a:pt x="797001" y="5473"/>
+                </a:cubicBezTo>
+                <a:cubicBezTo>
+                  <a:pt x="797001" y="10242"/>
+                  <a:pt x="801982" y="10242"/>
+                  <a:pt x="801982" y="10242"/>
+                </a:cubicBezTo>
+                <a:lnTo>
+                  <a:pt x="1030951" y="239185"/>
+                </a:lnTo>
+                <a:cubicBezTo>
+                  <a:pt x="1040398" y="248722"/>
+                  <a:pt x="1040398" y="258259"/>
+                  <a:pt x="1030951" y="267797"/>
+                </a:cubicBezTo>
+                <a:lnTo>
+                  <a:pt x="801982" y="496740"/>
+                </a:lnTo>
+                <a:cubicBezTo>
+                  <a:pt x="800436" y="498363"/>
+                  <a:pt x="798547" y="499885"/>
+                  <a:pt x="797001" y="501508"/>
+                </a:cubicBezTo>
+                <a:cubicBezTo>
+                  <a:pt x="792363" y="506277"/>
+                  <a:pt x="787553" y="506277"/>
+                  <a:pt x="782744" y="506277"/>
+                </a:cubicBezTo>
+                <a:lnTo>
+                  <a:pt x="692049" y="506277"/>
+                </a:lnTo>
+                <a:lnTo>
+                  <a:pt x="291705" y="505140"/>
+                </a:lnTo>
+                <a:lnTo>
+                  <a:pt x="291705" y="506277"/>
+                </a:lnTo>
+                <a:lnTo>
+                  <a:pt x="0" y="506277"/>
+                </a:lnTo>
+                <a:close/>
+              </a:path>
+            </a:pathLst>
+          </a:custGeom>
+          <a:ln>
+            <a:noFill/>
+          </a:ln>
+        </p:spPr>
+        <p:style>
+          <a:lnRef idx="2">
+            <a:schemeClr val="accent1">
+              <a:shade val="50000"/>
+            </a:schemeClr>
+          </a:lnRef>
+          <a:fillRef idx="1">
+            <a:schemeClr val="accent1"/>
+          </a:fillRef>
+          <a:effectRef idx="0">
+            <a:schemeClr val="accent1"/>
+          </a:effectRef>
+          <a:fontRef idx="minor">
+            <a:schemeClr val="lt1"/>
+          </a:fontRef>
+        </p:style>
+        <p:txBody>
+          <a:bodyPr rtlCol="0" anchor="ctr"/>
+          <a:lstStyle/>
+          <a:p>
+            <a:pPr algn="ctr"/>
+            <a:endParaRPr lang="en-US"/>
           </a:p>
         </p:txBody>
       </p:sp>

--- a/TensorFlow.pptx
+++ b/TensorFlow.pptx
@@ -11,8 +11,9 @@
     <p:sldId id="260" r:id="rId5"/>
     <p:sldId id="261" r:id="rId6"/>
     <p:sldId id="259" r:id="rId7"/>
-    <p:sldId id="262" r:id="rId8"/>
-    <p:sldId id="263" r:id="rId9"/>
+    <p:sldId id="264" r:id="rId8"/>
+    <p:sldId id="262" r:id="rId9"/>
+    <p:sldId id="263" r:id="rId10"/>
   </p:sldIdLst>
   <p:sldSz cx="12192000" cy="6858000"/>
   <p:notesSz cx="6858000" cy="9144000"/>
@@ -111,6 +112,11 @@
       </a:defRPr>
     </a:lvl9pPr>
   </p:defaultTextStyle>
+  <p:extLst>
+    <p:ext uri="{EFAFB233-063F-42B5-8137-9DF3F51BA10A}">
+      <p15:sldGuideLst xmlns:p15="http://schemas.microsoft.com/office/powerpoint/2012/main"/>
+    </p:ext>
+  </p:extLst>
 </p:presentation>
 </file>
 
@@ -302,7 +308,7 @@
           <a:p>
             <a:fld id="{5DCB0A27-728E-4B1F-BBEB-CEB9AB161A74}" type="datetimeFigureOut">
               <a:rPr lang="fi-FI" smtClean="0"/>
-              <a:t>4.12.2018</a:t>
+              <a:t>5.12.2018</a:t>
             </a:fld>
             <a:endParaRPr lang="fi-FI"/>
           </a:p>
@@ -640,7 +646,7 @@
           <a:p>
             <a:fld id="{5DCB0A27-728E-4B1F-BBEB-CEB9AB161A74}" type="datetimeFigureOut">
               <a:rPr lang="fi-FI" smtClean="0"/>
-              <a:t>4.12.2018</a:t>
+              <a:t>5.12.2018</a:t>
             </a:fld>
             <a:endParaRPr lang="fi-FI"/>
           </a:p>
@@ -1041,7 +1047,7 @@
           <a:p>
             <a:fld id="{5DCB0A27-728E-4B1F-BBEB-CEB9AB161A74}" type="datetimeFigureOut">
               <a:rPr lang="fi-FI" smtClean="0"/>
-              <a:t>4.12.2018</a:t>
+              <a:t>5.12.2018</a:t>
             </a:fld>
             <a:endParaRPr lang="fi-FI"/>
           </a:p>
@@ -1377,7 +1383,7 @@
           <a:p>
             <a:fld id="{5DCB0A27-728E-4B1F-BBEB-CEB9AB161A74}" type="datetimeFigureOut">
               <a:rPr lang="fi-FI" smtClean="0"/>
-              <a:t>4.12.2018</a:t>
+              <a:t>5.12.2018</a:t>
             </a:fld>
             <a:endParaRPr lang="fi-FI"/>
           </a:p>
@@ -1697,7 +1703,7 @@
           <a:p>
             <a:fld id="{5DCB0A27-728E-4B1F-BBEB-CEB9AB161A74}" type="datetimeFigureOut">
               <a:rPr lang="fi-FI" smtClean="0"/>
-              <a:t>4.12.2018</a:t>
+              <a:t>5.12.2018</a:t>
             </a:fld>
             <a:endParaRPr lang="fi-FI"/>
           </a:p>
@@ -2093,7 +2099,7 @@
           <a:p>
             <a:fld id="{5DCB0A27-728E-4B1F-BBEB-CEB9AB161A74}" type="datetimeFigureOut">
               <a:rPr lang="fi-FI" smtClean="0"/>
-              <a:t>4.12.2018</a:t>
+              <a:t>5.12.2018</a:t>
             </a:fld>
             <a:endParaRPr lang="fi-FI"/>
           </a:p>
@@ -2350,7 +2356,7 @@
           <a:p>
             <a:fld id="{5DCB0A27-728E-4B1F-BBEB-CEB9AB161A74}" type="datetimeFigureOut">
               <a:rPr lang="fi-FI" smtClean="0"/>
-              <a:t>4.12.2018</a:t>
+              <a:t>5.12.2018</a:t>
             </a:fld>
             <a:endParaRPr lang="fi-FI"/>
           </a:p>
@@ -2612,7 +2618,7 @@
           <a:p>
             <a:fld id="{5DCB0A27-728E-4B1F-BBEB-CEB9AB161A74}" type="datetimeFigureOut">
               <a:rPr lang="fi-FI" smtClean="0"/>
-              <a:t>4.12.2018</a:t>
+              <a:t>5.12.2018</a:t>
             </a:fld>
             <a:endParaRPr lang="fi-FI"/>
           </a:p>
@@ -2874,7 +2880,7 @@
           <a:p>
             <a:fld id="{5DCB0A27-728E-4B1F-BBEB-CEB9AB161A74}" type="datetimeFigureOut">
               <a:rPr lang="fi-FI" smtClean="0"/>
-              <a:t>4.12.2018</a:t>
+              <a:t>5.12.2018</a:t>
             </a:fld>
             <a:endParaRPr lang="fi-FI"/>
           </a:p>
@@ -3203,7 +3209,7 @@
           <a:p>
             <a:fld id="{5DCB0A27-728E-4B1F-BBEB-CEB9AB161A74}" type="datetimeFigureOut">
               <a:rPr lang="fi-FI" smtClean="0"/>
-              <a:t>4.12.2018</a:t>
+              <a:t>5.12.2018</a:t>
             </a:fld>
             <a:endParaRPr lang="fi-FI"/>
           </a:p>
@@ -3526,7 +3532,7 @@
           <a:p>
             <a:fld id="{5DCB0A27-728E-4B1F-BBEB-CEB9AB161A74}" type="datetimeFigureOut">
               <a:rPr lang="fi-FI" smtClean="0"/>
-              <a:t>4.12.2018</a:t>
+              <a:t>5.12.2018</a:t>
             </a:fld>
             <a:endParaRPr lang="fi-FI"/>
           </a:p>
@@ -3983,7 +3989,7 @@
           <a:p>
             <a:fld id="{5DCB0A27-728E-4B1F-BBEB-CEB9AB161A74}" type="datetimeFigureOut">
               <a:rPr lang="fi-FI" smtClean="0"/>
-              <a:t>4.12.2018</a:t>
+              <a:t>5.12.2018</a:t>
             </a:fld>
             <a:endParaRPr lang="fi-FI"/>
           </a:p>
@@ -4188,7 +4194,7 @@
           <a:p>
             <a:fld id="{5DCB0A27-728E-4B1F-BBEB-CEB9AB161A74}" type="datetimeFigureOut">
               <a:rPr lang="fi-FI" smtClean="0"/>
-              <a:t>4.12.2018</a:t>
+              <a:t>5.12.2018</a:t>
             </a:fld>
             <a:endParaRPr lang="fi-FI"/>
           </a:p>
@@ -4365,7 +4371,7 @@
           <a:p>
             <a:fld id="{5DCB0A27-728E-4B1F-BBEB-CEB9AB161A74}" type="datetimeFigureOut">
               <a:rPr lang="fi-FI" smtClean="0"/>
-              <a:t>4.12.2018</a:t>
+              <a:t>5.12.2018</a:t>
             </a:fld>
             <a:endParaRPr lang="fi-FI"/>
           </a:p>
@@ -4698,7 +4704,7 @@
           <a:p>
             <a:fld id="{5DCB0A27-728E-4B1F-BBEB-CEB9AB161A74}" type="datetimeFigureOut">
               <a:rPr lang="fi-FI" smtClean="0"/>
-              <a:t>4.12.2018</a:t>
+              <a:t>5.12.2018</a:t>
             </a:fld>
             <a:endParaRPr lang="fi-FI"/>
           </a:p>
@@ -5043,7 +5049,7 @@
           <a:p>
             <a:fld id="{5DCB0A27-728E-4B1F-BBEB-CEB9AB161A74}" type="datetimeFigureOut">
               <a:rPr lang="fi-FI" smtClean="0"/>
-              <a:t>4.12.2018</a:t>
+              <a:t>5.12.2018</a:t>
             </a:fld>
             <a:endParaRPr lang="fi-FI"/>
           </a:p>
@@ -7160,7 +7166,7 @@
           <a:p>
             <a:fld id="{5DCB0A27-728E-4B1F-BBEB-CEB9AB161A74}" type="datetimeFigureOut">
               <a:rPr lang="fi-FI" smtClean="0"/>
-              <a:t>4.12.2018</a:t>
+              <a:t>5.12.2018</a:t>
             </a:fld>
             <a:endParaRPr lang="fi-FI"/>
           </a:p>
@@ -7697,13 +7703,17 @@
         <p:spPr/>
         <p:txBody>
           <a:bodyPr>
-            <a:normAutofit fontScale="90000"/>
+            <a:normAutofit/>
           </a:bodyPr>
           <a:lstStyle/>
           <a:p>
             <a:r>
               <a:rPr lang="fi-FI" dirty="0"/>
-              <a:t>TensorFlow.js – käsialantunnistus kuvista konvoluutio-neuroverkolla ja oman testidatan tuotto ja käyttö</a:t>
+              <a:t>TensorFlow.js – </a:t>
+            </a:r>
+            <a:r>
+              <a:rPr lang="fi-FI" sz="3600" dirty="0"/>
+              <a:t>käsialantunnistus kuvista konvoluutio-neuroverkolla ja oman testidatan tuotto ja käyttö</a:t>
             </a:r>
           </a:p>
         </p:txBody>
@@ -7764,6 +7774,13 @@
   <p:clrMapOvr>
     <a:masterClrMapping/>
   </p:clrMapOvr>
+  <p:timing>
+    <p:tnLst>
+      <p:par>
+        <p:cTn id="1" dur="indefinite" restart="never" nodeType="tmRoot"/>
+      </p:par>
+    </p:tnLst>
+  </p:timing>
 </p:sld>
 </file>
 
@@ -7860,6 +7877,13 @@
   <p:clrMapOvr>
     <a:masterClrMapping/>
   </p:clrMapOvr>
+  <p:timing>
+    <p:tnLst>
+      <p:par>
+        <p:cTn id="1" dur="indefinite" restart="never" nodeType="tmRoot"/>
+      </p:par>
+    </p:tnLst>
+  </p:timing>
 </p:sld>
 </file>
 
@@ -7950,6 +7974,13 @@
   <p:clrMapOvr>
     <a:masterClrMapping/>
   </p:clrMapOvr>
+  <p:timing>
+    <p:tnLst>
+      <p:par>
+        <p:cTn id="1" dur="indefinite" restart="never" nodeType="tmRoot"/>
+      </p:par>
+    </p:tnLst>
+  </p:timing>
 </p:sld>
 </file>
 
@@ -8004,7 +8035,7 @@
                 <a16:creationId xmlns:a16="http://schemas.microsoft.com/office/drawing/2014/main" id="{3F4C104D-5F30-4811-9376-566B26E4719A}"/>
               </a:ext>
               <a:ext uri="{C183D7F6-B498-43B3-948B-1728B52AA6E4}">
-                <adec:decorative xmlns:adec="http://schemas.microsoft.com/office/drawing/2017/decorative" val="1"/>
+                <adec:decorative xmlns:adec="http://schemas.microsoft.com/office/drawing/2017/decorative" xmlns="" val="1"/>
               </a:ext>
             </a:extLst>
           </p:cNvPr>
@@ -8104,7 +8135,7 @@
                 <a16:creationId xmlns:a16="http://schemas.microsoft.com/office/drawing/2014/main" id="{0815E34B-5D02-4E01-A936-E8E1C0AB6F12}"/>
               </a:ext>
               <a:ext uri="{C183D7F6-B498-43B3-948B-1728B52AA6E4}">
-                <adec:decorative xmlns:adec="http://schemas.microsoft.com/office/drawing/2017/decorative" val="1"/>
+                <adec:decorative xmlns:adec="http://schemas.microsoft.com/office/drawing/2017/decorative" xmlns="" val="1"/>
               </a:ext>
             </a:extLst>
           </p:cNvPr>
@@ -8232,7 +8263,7 @@
                 <a16:creationId xmlns:a16="http://schemas.microsoft.com/office/drawing/2014/main" id="{7DE3414B-B032-4710-A468-D3285E38C5FF}"/>
               </a:ext>
               <a:ext uri="{C183D7F6-B498-43B3-948B-1728B52AA6E4}">
-                <adec:decorative xmlns:adec="http://schemas.microsoft.com/office/drawing/2017/decorative" val="1"/>
+                <adec:decorative xmlns:adec="http://schemas.microsoft.com/office/drawing/2017/decorative" xmlns="" val="1"/>
               </a:ext>
             </a:extLst>
           </p:cNvPr>
@@ -8451,6 +8482,13 @@
   <p:clrMapOvr>
     <a:masterClrMapping/>
   </p:clrMapOvr>
+  <p:timing>
+    <p:tnLst>
+      <p:par>
+        <p:cTn id="1" dur="indefinite" restart="never" nodeType="tmRoot"/>
+      </p:par>
+    </p:tnLst>
+  </p:timing>
 </p:sld>
 </file>
 
@@ -8541,6 +8579,13 @@
   <p:clrMapOvr>
     <a:masterClrMapping/>
   </p:clrMapOvr>
+  <p:timing>
+    <p:tnLst>
+      <p:par>
+        <p:cTn id="1" dur="indefinite" restart="never" nodeType="tmRoot"/>
+      </p:par>
+    </p:tnLst>
+  </p:timing>
 </p:sld>
 </file>
 
@@ -8605,7 +8650,12 @@
             <p:ph idx="1"/>
           </p:nvPr>
         </p:nvSpPr>
-        <p:spPr/>
+        <p:spPr>
+          <a:xfrm>
+            <a:off x="2589212" y="2133600"/>
+            <a:ext cx="3301757" cy="3777622"/>
+          </a:xfrm>
+        </p:spPr>
         <p:txBody>
           <a:bodyPr/>
           <a:lstStyle/>
@@ -8614,8 +8664,17 @@
               <a:rPr lang="fi-FI" dirty="0">
                 <a:hlinkClick r:id="rId2"/>
               </a:rPr>
-              <a:t>https://storage.googleapis.com/learnjs-data/model-builder/mnist_images.png</a:t>
-            </a:r>
+              <a:t>https://</a:t>
+            </a:r>
+            <a:r>
+              <a:rPr lang="fi-FI" dirty="0" smtClean="0">
+                <a:hlinkClick r:id="rId2"/>
+              </a:rPr>
+              <a:t>storage.googleapis.com/learnjs-data/model-builder/mnist_images.png</a:t>
+            </a:r>
+            <a:endParaRPr lang="fi-FI" dirty="0" smtClean="0"/>
+          </a:p>
+          <a:p>
             <a:endParaRPr lang="fi-FI" dirty="0"/>
           </a:p>
           <a:p>
@@ -8623,6 +8682,36 @@
           </a:p>
         </p:txBody>
       </p:sp>
+      <p:pic>
+        <p:nvPicPr>
+          <p:cNvPr id="4" name="Picture 3"/>
+          <p:cNvPicPr>
+            <a:picLocks noChangeAspect="1"/>
+          </p:cNvPicPr>
+          <p:nvPr/>
+        </p:nvPicPr>
+        <p:blipFill>
+          <a:blip r:embed="rId3">
+            <a:extLst>
+              <a:ext uri="{28A0092B-C50C-407E-A947-70E740481C1C}">
+                <a14:useLocalDpi xmlns:a14="http://schemas.microsoft.com/office/drawing/2010/main" val="0"/>
+              </a:ext>
+            </a:extLst>
+          </a:blip>
+          <a:stretch>
+            <a:fillRect/>
+          </a:stretch>
+        </p:blipFill>
+        <p:spPr>
+          <a:xfrm>
+            <a:off x="5890969" y="0"/>
+            <a:ext cx="5613643" cy="6858000"/>
+          </a:xfrm>
+          <a:prstGeom prst="rect">
+            <a:avLst/>
+          </a:prstGeom>
+        </p:spPr>
+      </p:pic>
     </p:spTree>
     <p:extLst>
       <p:ext uri="{BB962C8B-B14F-4D97-AF65-F5344CB8AC3E}">
@@ -8633,10 +8722,106 @@
   <p:clrMapOvr>
     <a:masterClrMapping/>
   </p:clrMapOvr>
+  <p:timing>
+    <p:tnLst>
+      <p:par>
+        <p:cTn id="1" dur="indefinite" restart="never" nodeType="tmRoot"/>
+      </p:par>
+    </p:tnLst>
+  </p:timing>
 </p:sld>
 </file>
 
 <file path=ppt/slides/slide7.xml><?xml version="1.0" encoding="utf-8"?>
+<p:sld xmlns:a="http://schemas.openxmlformats.org/drawingml/2006/main" xmlns:r="http://schemas.openxmlformats.org/officeDocument/2006/relationships" xmlns:p="http://schemas.openxmlformats.org/presentationml/2006/main">
+  <p:cSld>
+    <p:spTree>
+      <p:nvGrpSpPr>
+        <p:cNvPr id="1" name=""/>
+        <p:cNvGrpSpPr/>
+        <p:nvPr/>
+      </p:nvGrpSpPr>
+      <p:grpSpPr>
+        <a:xfrm>
+          <a:off x="0" y="0"/>
+          <a:ext cx="0" cy="0"/>
+          <a:chOff x="0" y="0"/>
+          <a:chExt cx="0" cy="0"/>
+        </a:xfrm>
+      </p:grpSpPr>
+      <p:sp>
+        <p:nvSpPr>
+          <p:cNvPr id="2" name="Title 1"/>
+          <p:cNvSpPr>
+            <a:spLocks noGrp="1"/>
+          </p:cNvSpPr>
+          <p:nvPr>
+            <p:ph type="title"/>
+          </p:nvPr>
+        </p:nvSpPr>
+        <p:spPr/>
+        <p:txBody>
+          <a:bodyPr/>
+          <a:lstStyle/>
+          <a:p>
+            <a:r>
+              <a:rPr lang="fi-FI" dirty="0" smtClean="0"/>
+              <a:t>Neuroverkon tunnistustarkkuus</a:t>
+            </a:r>
+            <a:endParaRPr lang="fi-FI" dirty="0"/>
+          </a:p>
+        </p:txBody>
+      </p:sp>
+      <p:pic>
+        <p:nvPicPr>
+          <p:cNvPr id="4" name="Content Placeholder 3"/>
+          <p:cNvPicPr>
+            <a:picLocks noGrp="1" noChangeAspect="1"/>
+          </p:cNvPicPr>
+          <p:nvPr>
+            <p:ph idx="1"/>
+          </p:nvPr>
+        </p:nvPicPr>
+        <p:blipFill>
+          <a:blip r:embed="rId2">
+            <a:extLst>
+              <a:ext uri="{28A0092B-C50C-407E-A947-70E740481C1C}">
+                <a14:useLocalDpi xmlns:a14="http://schemas.microsoft.com/office/drawing/2010/main" val="0"/>
+              </a:ext>
+            </a:extLst>
+          </a:blip>
+          <a:stretch>
+            <a:fillRect/>
+          </a:stretch>
+        </p:blipFill>
+        <p:spPr>
+          <a:xfrm>
+            <a:off x="2592925" y="1264555"/>
+            <a:ext cx="7017746" cy="5023229"/>
+          </a:xfrm>
+        </p:spPr>
+      </p:pic>
+    </p:spTree>
+    <p:extLst>
+      <p:ext uri="{BB962C8B-B14F-4D97-AF65-F5344CB8AC3E}">
+        <p14:creationId xmlns:p14="http://schemas.microsoft.com/office/powerpoint/2010/main" val="2783316439"/>
+      </p:ext>
+    </p:extLst>
+  </p:cSld>
+  <p:clrMapOvr>
+    <a:masterClrMapping/>
+  </p:clrMapOvr>
+  <p:timing>
+    <p:tnLst>
+      <p:par>
+        <p:cTn id="1" dur="indefinite" restart="never" nodeType="tmRoot"/>
+      </p:par>
+    </p:tnLst>
+  </p:timing>
+</p:sld>
+</file>
+
+<file path=ppt/slides/slide8.xml><?xml version="1.0" encoding="utf-8"?>
 <p:sld xmlns:a="http://schemas.openxmlformats.org/drawingml/2006/main" xmlns:r="http://schemas.openxmlformats.org/officeDocument/2006/relationships" xmlns:p="http://schemas.openxmlformats.org/presentationml/2006/main">
   <p:cSld>
     <p:bg>
@@ -8687,7 +8872,7 @@
                 <a16:creationId xmlns:a16="http://schemas.microsoft.com/office/drawing/2014/main" id="{3F4C104D-5F30-4811-9376-566B26E4719A}"/>
               </a:ext>
               <a:ext uri="{C183D7F6-B498-43B3-948B-1728B52AA6E4}">
-                <adec:decorative xmlns:adec="http://schemas.microsoft.com/office/drawing/2017/decorative" val="1"/>
+                <adec:decorative xmlns:adec="http://schemas.microsoft.com/office/drawing/2017/decorative" xmlns="" val="1"/>
               </a:ext>
             </a:extLst>
           </p:cNvPr>
@@ -8782,7 +8967,7 @@
                 <a16:creationId xmlns:a16="http://schemas.microsoft.com/office/drawing/2014/main" id="{0815E34B-5D02-4E01-A936-E8E1C0AB6F12}"/>
               </a:ext>
               <a:ext uri="{C183D7F6-B498-43B3-948B-1728B52AA6E4}">
-                <adec:decorative xmlns:adec="http://schemas.microsoft.com/office/drawing/2017/decorative" val="1"/>
+                <adec:decorative xmlns:adec="http://schemas.microsoft.com/office/drawing/2017/decorative" xmlns="" val="1"/>
               </a:ext>
             </a:extLst>
           </p:cNvPr>
@@ -8910,7 +9095,7 @@
                 <a16:creationId xmlns:a16="http://schemas.microsoft.com/office/drawing/2014/main" id="{7DE3414B-B032-4710-A468-D3285E38C5FF}"/>
               </a:ext>
               <a:ext uri="{C183D7F6-B498-43B3-948B-1728B52AA6E4}">
-                <adec:decorative xmlns:adec="http://schemas.microsoft.com/office/drawing/2017/decorative" val="1"/>
+                <adec:decorative xmlns:adec="http://schemas.microsoft.com/office/drawing/2017/decorative" xmlns="" val="1"/>
               </a:ext>
             </a:extLst>
           </p:cNvPr>
@@ -9129,10 +9314,17 @@
   <p:clrMapOvr>
     <a:masterClrMapping/>
   </p:clrMapOvr>
+  <p:timing>
+    <p:tnLst>
+      <p:par>
+        <p:cTn id="1" dur="indefinite" restart="never" nodeType="tmRoot"/>
+      </p:par>
+    </p:tnLst>
+  </p:timing>
 </p:sld>
 </file>
 
-<file path=ppt/slides/slide8.xml><?xml version="1.0" encoding="utf-8"?>
+<file path=ppt/slides/slide9.xml><?xml version="1.0" encoding="utf-8"?>
 <p:sld xmlns:a="http://schemas.openxmlformats.org/drawingml/2006/main" xmlns:r="http://schemas.openxmlformats.org/officeDocument/2006/relationships" xmlns:p="http://schemas.openxmlformats.org/presentationml/2006/main">
   <p:cSld>
     <p:spTree>
@@ -9251,6 +9443,13 @@
   <p:clrMapOvr>
     <a:masterClrMapping/>
   </p:clrMapOvr>
+  <p:timing>
+    <p:tnLst>
+      <p:par>
+        <p:cTn id="1" dur="indefinite" restart="never" nodeType="tmRoot"/>
+      </p:par>
+    </p:tnLst>
+  </p:timing>
 </p:sld>
 </file>
 
